--- a/module-1/01-09 Identity in your Web API/01-09 Identity in your Web API.pptx
+++ b/module-1/01-09 Identity in your Web API/01-09 Identity in your Web API.pptx
@@ -6,13 +6,12 @@
     <p:sldMasterId id="2147483696" r:id="rId2"/>
   </p:sldMasterIdLst>
   <p:notesMasterIdLst>
-    <p:notesMasterId r:id="rId7"/>
+    <p:notesMasterId r:id="rId6"/>
   </p:notesMasterIdLst>
   <p:sldIdLst>
-    <p:sldId id="261" r:id="rId3"/>
-    <p:sldId id="256" r:id="rId4"/>
-    <p:sldId id="257" r:id="rId5"/>
-    <p:sldId id="262" r:id="rId6"/>
+    <p:sldId id="256" r:id="rId3"/>
+    <p:sldId id="257" r:id="rId4"/>
+    <p:sldId id="262" r:id="rId5"/>
   </p:sldIdLst>
   <p:sldSz cx="12192000" cy="6858000"/>
   <p:notesSz cx="6858000" cy="9144000"/>
@@ -4104,7 +4103,7 @@
           <a:p>
             <a:fld id="{4D7C8D95-C581-49F4-AE96-C88D2E3102AD}" type="datetimeFigureOut">
               <a:rPr lang="en-US" smtClean="0"/>
-              <a:t>9/27/2021</a:t>
+              <a:t>5/17/2022</a:t>
             </a:fld>
             <a:endParaRPr lang="en-US"/>
           </a:p>
@@ -4371,158 +4370,6 @@
 </p:notesMaster>
 </file>
 
-<file path=ppt/notesSlides/notesSlide1.xml><?xml version="1.0" encoding="utf-8"?>
-<p:notes xmlns:a="http://schemas.openxmlformats.org/drawingml/2006/main" xmlns:r="http://schemas.openxmlformats.org/officeDocument/2006/relationships" xmlns:p="http://schemas.openxmlformats.org/presentationml/2006/main">
-  <p:cSld>
-    <p:spTree>
-      <p:nvGrpSpPr>
-        <p:cNvPr id="1" name=""/>
-        <p:cNvGrpSpPr/>
-        <p:nvPr/>
-      </p:nvGrpSpPr>
-      <p:grpSpPr>
-        <a:xfrm>
-          <a:off x="0" y="0"/>
-          <a:ext cx="0" cy="0"/>
-          <a:chOff x="0" y="0"/>
-          <a:chExt cx="0" cy="0"/>
-        </a:xfrm>
-      </p:grpSpPr>
-      <p:sp>
-        <p:nvSpPr>
-          <p:cNvPr id="2" name="Slide Image Placeholder 1"/>
-          <p:cNvSpPr>
-            <a:spLocks noGrp="1" noRot="1" noChangeAspect="1"/>
-          </p:cNvSpPr>
-          <p:nvPr>
-            <p:ph type="sldImg"/>
-          </p:nvPr>
-        </p:nvSpPr>
-        <p:spPr/>
-      </p:sp>
-      <p:sp>
-        <p:nvSpPr>
-          <p:cNvPr id="3" name="Notes Placeholder 2"/>
-          <p:cNvSpPr>
-            <a:spLocks noGrp="1"/>
-          </p:cNvSpPr>
-          <p:nvPr>
-            <p:ph type="body" idx="1"/>
-          </p:nvPr>
-        </p:nvSpPr>
-        <p:spPr/>
-        <p:txBody>
-          <a:bodyPr/>
-          <a:lstStyle/>
-          <a:p>
-            <a:endParaRPr lang="en-US" dirty="0"/>
-          </a:p>
-        </p:txBody>
-      </p:sp>
-      <p:sp>
-        <p:nvSpPr>
-          <p:cNvPr id="4" name="Slide Number Placeholder 3"/>
-          <p:cNvSpPr>
-            <a:spLocks noGrp="1"/>
-          </p:cNvSpPr>
-          <p:nvPr>
-            <p:ph type="sldNum" sz="quarter" idx="10"/>
-          </p:nvPr>
-        </p:nvSpPr>
-        <p:spPr>
-          <a:xfrm>
-            <a:off x="3884613" y="8685213"/>
-            <a:ext cx="2971800" cy="457200"/>
-          </a:xfrm>
-          <a:prstGeom prst="rect">
-            <a:avLst/>
-          </a:prstGeom>
-        </p:spPr>
-        <p:txBody>
-          <a:bodyPr/>
-          <a:lstStyle/>
-          <a:p>
-            <a:pPr marL="0" marR="0" lvl="0" indent="0" algn="l" defTabSz="914400" rtl="0" eaLnBrk="1" fontAlgn="auto" latinLnBrk="0" hangingPunct="1">
-              <a:lnSpc>
-                <a:spcPct val="100000"/>
-              </a:lnSpc>
-              <a:spcBef>
-                <a:spcPts val="0"/>
-              </a:spcBef>
-              <a:spcAft>
-                <a:spcPts val="0"/>
-              </a:spcAft>
-              <a:buClrTx/>
-              <a:buSzTx/>
-              <a:buFontTx/>
-              <a:buNone/>
-              <a:tabLst/>
-              <a:defRPr/>
-            </a:pPr>
-            <a:fld id="{DE326DE0-BACA-4EA0-B73F-CC7DC1D7F4A1}" type="slidenum">
-              <a:rPr kumimoji="0" lang="en-US" sz="1800" b="0" i="0" u="none" strike="noStrike" kern="1200" cap="none" spc="0" normalizeH="0" baseline="0" noProof="0" smtClean="0">
-                <a:ln>
-                  <a:noFill/>
-                </a:ln>
-                <a:solidFill>
-                  <a:prstClr val="black"/>
-                </a:solidFill>
-                <a:effectLst/>
-                <a:uLnTx/>
-                <a:uFillTx/>
-                <a:latin typeface="Calibri"/>
-                <a:ea typeface="+mn-ea"/>
-                <a:cs typeface="+mn-cs"/>
-              </a:rPr>
-              <a:pPr marL="0" marR="0" lvl="0" indent="0" algn="l" defTabSz="914400" rtl="0" eaLnBrk="1" fontAlgn="auto" latinLnBrk="0" hangingPunct="1">
-                <a:lnSpc>
-                  <a:spcPct val="100000"/>
-                </a:lnSpc>
-                <a:spcBef>
-                  <a:spcPts val="0"/>
-                </a:spcBef>
-                <a:spcAft>
-                  <a:spcPts val="0"/>
-                </a:spcAft>
-                <a:buClrTx/>
-                <a:buSzTx/>
-                <a:buFontTx/>
-                <a:buNone/>
-                <a:tabLst/>
-                <a:defRPr/>
-              </a:pPr>
-              <a:t>1</a:t>
-            </a:fld>
-            <a:endParaRPr kumimoji="0" lang="en-US" sz="1800" b="0" i="0" u="none" strike="noStrike" kern="1200" cap="none" spc="0" normalizeH="0" baseline="0" noProof="0">
-              <a:ln>
-                <a:noFill/>
-              </a:ln>
-              <a:solidFill>
-                <a:prstClr val="black"/>
-              </a:solidFill>
-              <a:effectLst/>
-              <a:uLnTx/>
-              <a:uFillTx/>
-              <a:latin typeface="Calibri"/>
-              <a:ea typeface="+mn-ea"/>
-              <a:cs typeface="+mn-cs"/>
-            </a:endParaRPr>
-          </a:p>
-        </p:txBody>
-      </p:sp>
-    </p:spTree>
-    <p:extLst>
-      <p:ext uri="{BB962C8B-B14F-4D97-AF65-F5344CB8AC3E}">
-        <p14:creationId xmlns:p14="http://schemas.microsoft.com/office/powerpoint/2010/main" val="4261198586"/>
-      </p:ext>
-    </p:extLst>
-  </p:cSld>
-  <p:clrMapOvr>
-    <a:masterClrMapping/>
-  </p:clrMapOvr>
-</p:notes>
-</file>
-
 <file path=ppt/slideLayouts/slideLayout1.xml><?xml version="1.0" encoding="utf-8"?>
 <p:sldLayout xmlns:a="http://schemas.openxmlformats.org/drawingml/2006/main" xmlns:r="http://schemas.openxmlformats.org/officeDocument/2006/relationships" xmlns:p="http://schemas.openxmlformats.org/presentationml/2006/main" showMasterSp="0" type="title" preserve="1">
   <p:cSld name="Title Slide">
@@ -4751,7 +4598,7 @@
           <a:p>
             <a:fld id="{EBB1B3D4-265D-4665-ADC9-1438520F930D}" type="datetimeFigureOut">
               <a:rPr lang="en-US" smtClean="0"/>
-              <a:t>9/27/2021</a:t>
+              <a:t>5/17/2022</a:t>
             </a:fld>
             <a:endParaRPr lang="en-US"/>
           </a:p>
@@ -4959,7 +4806,7 @@
           <a:p>
             <a:fld id="{EBB1B3D4-265D-4665-ADC9-1438520F930D}" type="datetimeFigureOut">
               <a:rPr lang="en-US" smtClean="0"/>
-              <a:t>9/27/2021</a:t>
+              <a:t>5/17/2022</a:t>
             </a:fld>
             <a:endParaRPr lang="en-US"/>
           </a:p>
@@ -5217,7 +5064,7 @@
           <a:p>
             <a:fld id="{EBB1B3D4-265D-4665-ADC9-1438520F930D}" type="datetimeFigureOut">
               <a:rPr lang="en-US" smtClean="0"/>
-              <a:t>9/27/2021</a:t>
+              <a:t>5/17/2022</a:t>
             </a:fld>
             <a:endParaRPr lang="en-US"/>
           </a:p>
@@ -5457,7 +5304,7 @@
           <a:p>
             <a:fld id="{D088F999-7A4E-6B4F-9FED-EF75B73AD044}" type="datetimeFigureOut">
               <a:rPr lang="en-US" smtClean="0"/>
-              <a:t>9/27/2021</a:t>
+              <a:t>5/17/2022</a:t>
             </a:fld>
             <a:endParaRPr lang="en-US"/>
           </a:p>
@@ -5625,7 +5472,7 @@
           <a:p>
             <a:fld id="{D088F999-7A4E-6B4F-9FED-EF75B73AD044}" type="datetimeFigureOut">
               <a:rPr lang="en-US" smtClean="0"/>
-              <a:t>9/27/2021</a:t>
+              <a:t>5/17/2022</a:t>
             </a:fld>
             <a:endParaRPr lang="en-US"/>
           </a:p>
@@ -5870,7 +5717,7 @@
           <a:p>
             <a:fld id="{D088F999-7A4E-6B4F-9FED-EF75B73AD044}" type="datetimeFigureOut">
               <a:rPr lang="en-US" smtClean="0"/>
-              <a:t>9/27/2021</a:t>
+              <a:t>5/17/2022</a:t>
             </a:fld>
             <a:endParaRPr lang="en-US"/>
           </a:p>
@@ -6155,7 +6002,7 @@
           <a:p>
             <a:fld id="{D088F999-7A4E-6B4F-9FED-EF75B73AD044}" type="datetimeFigureOut">
               <a:rPr lang="en-US" smtClean="0"/>
-              <a:t>9/27/2021</a:t>
+              <a:t>5/17/2022</a:t>
             </a:fld>
             <a:endParaRPr lang="en-US"/>
           </a:p>
@@ -6574,7 +6421,7 @@
           <a:p>
             <a:fld id="{D088F999-7A4E-6B4F-9FED-EF75B73AD044}" type="datetimeFigureOut">
               <a:rPr lang="en-US" smtClean="0"/>
-              <a:t>9/27/2021</a:t>
+              <a:t>5/17/2022</a:t>
             </a:fld>
             <a:endParaRPr lang="en-US"/>
           </a:p>
@@ -6691,7 +6538,7 @@
           <a:p>
             <a:fld id="{D088F999-7A4E-6B4F-9FED-EF75B73AD044}" type="datetimeFigureOut">
               <a:rPr lang="en-US" smtClean="0"/>
-              <a:t>9/27/2021</a:t>
+              <a:t>5/17/2022</a:t>
             </a:fld>
             <a:endParaRPr lang="en-US"/>
           </a:p>
@@ -6786,7 +6633,7 @@
           <a:p>
             <a:fld id="{D088F999-7A4E-6B4F-9FED-EF75B73AD044}" type="datetimeFigureOut">
               <a:rPr lang="en-US" smtClean="0"/>
-              <a:t>9/27/2021</a:t>
+              <a:t>5/17/2022</a:t>
             </a:fld>
             <a:endParaRPr lang="en-US"/>
           </a:p>
@@ -7061,7 +6908,7 @@
           <a:p>
             <a:fld id="{D088F999-7A4E-6B4F-9FED-EF75B73AD044}" type="datetimeFigureOut">
               <a:rPr lang="en-US" smtClean="0"/>
-              <a:t>9/27/2021</a:t>
+              <a:t>5/17/2022</a:t>
             </a:fld>
             <a:endParaRPr lang="en-US"/>
           </a:p>
@@ -7231,7 +7078,7 @@
           <a:p>
             <a:fld id="{EBB1B3D4-265D-4665-ADC9-1438520F930D}" type="datetimeFigureOut">
               <a:rPr lang="en-US" smtClean="0"/>
-              <a:t>9/27/2021</a:t>
+              <a:t>5/17/2022</a:t>
             </a:fld>
             <a:endParaRPr lang="en-US"/>
           </a:p>
@@ -7483,7 +7330,7 @@
           <a:p>
             <a:fld id="{D088F999-7A4E-6B4F-9FED-EF75B73AD044}" type="datetimeFigureOut">
               <a:rPr lang="en-US" smtClean="0"/>
-              <a:t>9/27/2021</a:t>
+              <a:t>5/17/2022</a:t>
             </a:fld>
             <a:endParaRPr lang="en-US"/>
           </a:p>
@@ -7651,7 +7498,7 @@
           <a:p>
             <a:fld id="{D088F999-7A4E-6B4F-9FED-EF75B73AD044}" type="datetimeFigureOut">
               <a:rPr lang="en-US" smtClean="0"/>
-              <a:t>9/27/2021</a:t>
+              <a:t>5/17/2022</a:t>
             </a:fld>
             <a:endParaRPr lang="en-US"/>
           </a:p>
@@ -7829,7 +7676,7 @@
           <a:p>
             <a:fld id="{D088F999-7A4E-6B4F-9FED-EF75B73AD044}" type="datetimeFigureOut">
               <a:rPr lang="en-US" smtClean="0"/>
-              <a:t>9/27/2021</a:t>
+              <a:t>5/17/2022</a:t>
             </a:fld>
             <a:endParaRPr lang="en-US"/>
           </a:p>
@@ -8166,7 +8013,7 @@
           <a:p>
             <a:fld id="{EBB1B3D4-265D-4665-ADC9-1438520F930D}" type="datetimeFigureOut">
               <a:rPr lang="en-US" smtClean="0"/>
-              <a:t>9/27/2021</a:t>
+              <a:t>5/17/2022</a:t>
             </a:fld>
             <a:endParaRPr lang="en-US"/>
           </a:p>
@@ -8441,7 +8288,7 @@
           <a:p>
             <a:fld id="{EBB1B3D4-265D-4665-ADC9-1438520F930D}" type="datetimeFigureOut">
               <a:rPr lang="en-US" smtClean="0"/>
-              <a:t>9/27/2021</a:t>
+              <a:t>5/17/2022</a:t>
             </a:fld>
             <a:endParaRPr lang="en-US"/>
           </a:p>
@@ -8824,7 +8671,7 @@
           <a:p>
             <a:fld id="{EBB1B3D4-265D-4665-ADC9-1438520F930D}" type="datetimeFigureOut">
               <a:rPr lang="en-US" smtClean="0"/>
-              <a:t>9/27/2021</a:t>
+              <a:t>5/17/2022</a:t>
             </a:fld>
             <a:endParaRPr lang="en-US"/>
           </a:p>
@@ -8942,7 +8789,7 @@
           <a:p>
             <a:fld id="{EBB1B3D4-265D-4665-ADC9-1438520F930D}" type="datetimeFigureOut">
               <a:rPr lang="en-US" smtClean="0"/>
-              <a:t>9/27/2021</a:t>
+              <a:t>5/17/2022</a:t>
             </a:fld>
             <a:endParaRPr lang="en-US"/>
           </a:p>
@@ -9115,7 +8962,7 @@
           <a:p>
             <a:fld id="{EBB1B3D4-265D-4665-ADC9-1438520F930D}" type="datetimeFigureOut">
               <a:rPr lang="en-US" smtClean="0"/>
-              <a:t>9/27/2021</a:t>
+              <a:t>5/17/2022</a:t>
             </a:fld>
             <a:endParaRPr lang="en-US"/>
           </a:p>
@@ -9471,7 +9318,7 @@
           <a:p>
             <a:fld id="{EBB1B3D4-265D-4665-ADC9-1438520F930D}" type="datetimeFigureOut">
               <a:rPr lang="en-US" smtClean="0"/>
-              <a:t>9/27/2021</a:t>
+              <a:t>5/17/2022</a:t>
             </a:fld>
             <a:endParaRPr lang="en-US"/>
           </a:p>
@@ -9819,7 +9666,7 @@
           <a:p>
             <a:fld id="{EBB1B3D4-265D-4665-ADC9-1438520F930D}" type="datetimeFigureOut">
               <a:rPr lang="en-US" smtClean="0"/>
-              <a:t>9/27/2021</a:t>
+              <a:t>5/17/2022</a:t>
             </a:fld>
             <a:endParaRPr lang="en-US"/>
           </a:p>
@@ -10130,7 +9977,7 @@
           <a:p>
             <a:fld id="{EBB1B3D4-265D-4665-ADC9-1438520F930D}" type="datetimeFigureOut">
               <a:rPr lang="en-US" smtClean="0"/>
-              <a:t>9/27/2021</a:t>
+              <a:t>5/17/2022</a:t>
             </a:fld>
             <a:endParaRPr lang="en-US"/>
           </a:p>
@@ -10796,7 +10643,7 @@
           <a:p>
             <a:fld id="{D088F999-7A4E-6B4F-9FED-EF75B73AD044}" type="datetimeFigureOut">
               <a:rPr lang="en-US" smtClean="0"/>
-              <a:t>9/27/2021</a:t>
+              <a:t>5/17/2022</a:t>
             </a:fld>
             <a:endParaRPr lang="en-US"/>
           </a:p>
@@ -11171,423 +11018,6 @@
           <a:chExt cx="0" cy="0"/>
         </a:xfrm>
       </p:grpSpPr>
-      <p:sp>
-        <p:nvSpPr>
-          <p:cNvPr id="4" name="Rectangle 3">
-            <a:extLst>
-              <a:ext uri="{FF2B5EF4-FFF2-40B4-BE49-F238E27FC236}">
-                <a16:creationId xmlns:a16="http://schemas.microsoft.com/office/drawing/2014/main" id="{2DB7453A-5DFD-6B43-9EF9-B4DB30288921}"/>
-              </a:ext>
-            </a:extLst>
-          </p:cNvPr>
-          <p:cNvSpPr/>
-          <p:nvPr/>
-        </p:nvSpPr>
-        <p:spPr>
-          <a:xfrm>
-            <a:off x="0" y="4343400"/>
-            <a:ext cx="12192000" cy="2514600"/>
-          </a:xfrm>
-          <a:prstGeom prst="rect">
-            <a:avLst/>
-          </a:prstGeom>
-          <a:solidFill>
-            <a:srgbClr val="403938"/>
-          </a:solidFill>
-          <a:ln>
-            <a:noFill/>
-          </a:ln>
-        </p:spPr>
-        <p:style>
-          <a:lnRef idx="1">
-            <a:schemeClr val="accent1"/>
-          </a:lnRef>
-          <a:fillRef idx="3">
-            <a:schemeClr val="accent1"/>
-          </a:fillRef>
-          <a:effectRef idx="2">
-            <a:schemeClr val="accent1"/>
-          </a:effectRef>
-          <a:fontRef idx="minor">
-            <a:schemeClr val="lt1"/>
-          </a:fontRef>
-        </p:style>
-        <p:txBody>
-          <a:bodyPr rtlCol="0" anchor="ctr"/>
-          <a:lstStyle/>
-          <a:p>
-            <a:pPr algn="ctr" defTabSz="1219170"/>
-            <a:endParaRPr lang="en-US" sz="2400" dirty="0">
-              <a:solidFill>
-                <a:prstClr val="white"/>
-              </a:solidFill>
-              <a:latin typeface="Calibri"/>
-            </a:endParaRPr>
-          </a:p>
-        </p:txBody>
-      </p:sp>
-      <p:sp>
-        <p:nvSpPr>
-          <p:cNvPr id="6" name="Rectangle 5"/>
-          <p:cNvSpPr>
-            <a:spLocks noChangeArrowheads="1"/>
-          </p:cNvSpPr>
-          <p:nvPr/>
-        </p:nvSpPr>
-        <p:spPr bwMode="auto">
-          <a:xfrm>
-            <a:off x="304800" y="4826683"/>
-            <a:ext cx="5317067" cy="1727200"/>
-          </a:xfrm>
-          <a:prstGeom prst="rect">
-            <a:avLst/>
-          </a:prstGeom>
-          <a:noFill/>
-          <a:ln>
-            <a:noFill/>
-          </a:ln>
-          <a:effectLst/>
-          <a:extLst>
-            <a:ext uri="{909E8E84-426E-40DD-AFC4-6F175D3DCCD1}">
-              <a14:hiddenFill xmlns:a14="http://schemas.microsoft.com/office/drawing/2010/main">
-                <a:solidFill>
-                  <a:schemeClr val="accent1"/>
-                </a:solidFill>
-              </a14:hiddenFill>
-            </a:ext>
-            <a:ext uri="{91240B29-F687-4F45-9708-019B960494DF}">
-              <a14:hiddenLine xmlns:a14="http://schemas.microsoft.com/office/drawing/2010/main" w="9525">
-                <a:solidFill>
-                  <a:schemeClr val="tx1"/>
-                </a:solidFill>
-                <a:miter lim="800000"/>
-                <a:headEnd/>
-                <a:tailEnd/>
-              </a14:hiddenLine>
-            </a:ext>
-            <a:ext uri="{AF507438-7753-43E0-B8FC-AC1667EBCBE1}">
-              <a14:hiddenEffects xmlns:a14="http://schemas.microsoft.com/office/drawing/2010/main">
-                <a:effectLst>
-                  <a:outerShdw dist="35921" dir="2700000" algn="ctr" rotWithShape="0">
-                    <a:schemeClr val="bg2"/>
-                  </a:outerShdw>
-                </a:effectLst>
-              </a14:hiddenEffects>
-            </a:ext>
-          </a:extLst>
-        </p:spPr>
-        <p:txBody>
-          <a:bodyPr lIns="114564" tIns="57283" rIns="114564" bIns="57283"/>
-          <a:lstStyle/>
-          <a:p>
-            <a:pPr defTabSz="1219170">
-              <a:defRPr/>
-            </a:pPr>
-            <a:r>
-              <a:rPr lang="en-US" sz="4267" b="1" dirty="0">
-                <a:solidFill>
-                  <a:prstClr val="white"/>
-                </a:solidFill>
-                <a:latin typeface="Arial" charset="0"/>
-              </a:rPr>
-              <a:t>Chris Woodruff</a:t>
-            </a:r>
-            <a:endParaRPr lang="en-US" sz="3733" b="1" dirty="0">
-              <a:solidFill>
-                <a:prstClr val="white"/>
-              </a:solidFill>
-              <a:latin typeface="Arial" charset="0"/>
-            </a:endParaRPr>
-          </a:p>
-          <a:p>
-            <a:pPr defTabSz="1219170">
-              <a:defRPr/>
-            </a:pPr>
-            <a:r>
-              <a:rPr lang="en-US" sz="3200" b="1" dirty="0" err="1">
-                <a:solidFill>
-                  <a:prstClr val="white"/>
-                </a:solidFill>
-                <a:latin typeface="Arial" charset="0"/>
-              </a:rPr>
-              <a:t>LearningAbout.Dev</a:t>
-            </a:r>
-            <a:endParaRPr lang="en-US" sz="3200" b="1" dirty="0">
-              <a:solidFill>
-                <a:prstClr val="white"/>
-              </a:solidFill>
-              <a:latin typeface="Arial" charset="0"/>
-            </a:endParaRPr>
-          </a:p>
-          <a:p>
-            <a:pPr defTabSz="1219170">
-              <a:defRPr/>
-            </a:pPr>
-            <a:endParaRPr lang="en-US" sz="2400" b="1" dirty="0">
-              <a:solidFill>
-                <a:prstClr val="white"/>
-              </a:solidFill>
-              <a:latin typeface="Arial" charset="0"/>
-            </a:endParaRPr>
-          </a:p>
-          <a:p>
-            <a:pPr defTabSz="1219170">
-              <a:defRPr/>
-            </a:pPr>
-            <a:endParaRPr lang="en-US" sz="1867" dirty="0">
-              <a:solidFill>
-                <a:prstClr val="white"/>
-              </a:solidFill>
-              <a:latin typeface="Times New Roman" pitchFamily="28" charset="0"/>
-            </a:endParaRPr>
-          </a:p>
-        </p:txBody>
-      </p:sp>
-      <p:sp>
-        <p:nvSpPr>
-          <p:cNvPr id="7" name="Text Box 7"/>
-          <p:cNvSpPr txBox="1">
-            <a:spLocks noChangeArrowheads="1"/>
-          </p:cNvSpPr>
-          <p:nvPr/>
-        </p:nvSpPr>
-        <p:spPr bwMode="auto">
-          <a:xfrm>
-            <a:off x="7924801" y="4824276"/>
-            <a:ext cx="4889497" cy="830997"/>
-          </a:xfrm>
-          <a:prstGeom prst="rect">
-            <a:avLst/>
-          </a:prstGeom>
-          <a:noFill/>
-          <a:ln>
-            <a:noFill/>
-          </a:ln>
-          <a:effectLst/>
-          <a:extLst>
-            <a:ext uri="{909E8E84-426E-40DD-AFC4-6F175D3DCCD1}">
-              <a14:hiddenFill xmlns:a14="http://schemas.microsoft.com/office/drawing/2010/main">
-                <a:solidFill>
-                  <a:schemeClr val="accent1"/>
-                </a:solidFill>
-              </a14:hiddenFill>
-            </a:ext>
-            <a:ext uri="{91240B29-F687-4F45-9708-019B960494DF}">
-              <a14:hiddenLine xmlns:a14="http://schemas.microsoft.com/office/drawing/2010/main" w="9525" algn="ctr">
-                <a:solidFill>
-                  <a:schemeClr val="tx1"/>
-                </a:solidFill>
-                <a:miter lim="800000"/>
-                <a:headEnd/>
-                <a:tailEnd/>
-              </a14:hiddenLine>
-            </a:ext>
-            <a:ext uri="{AF507438-7753-43E0-B8FC-AC1667EBCBE1}">
-              <a14:hiddenEffects xmlns:a14="http://schemas.microsoft.com/office/drawing/2010/main">
-                <a:effectLst>
-                  <a:outerShdw dist="35921" dir="2700000" algn="ctr" rotWithShape="0">
-                    <a:schemeClr val="bg2"/>
-                  </a:outerShdw>
-                </a:effectLst>
-              </a14:hiddenEffects>
-            </a:ext>
-          </a:extLst>
-        </p:spPr>
-        <p:txBody>
-          <a:bodyPr wrap="square">
-            <a:spAutoFit/>
-          </a:bodyPr>
-          <a:lstStyle>
-            <a:lvl1pPr>
-              <a:defRPr sz="1600">
-                <a:solidFill>
-                  <a:schemeClr val="tx1"/>
-                </a:solidFill>
-                <a:latin typeface="Lucida Console" pitchFamily="49" charset="0"/>
-                <a:cs typeface="Arial" charset="0"/>
-              </a:defRPr>
-            </a:lvl1pPr>
-            <a:lvl2pPr marL="742950" indent="-285750">
-              <a:defRPr sz="1600">
-                <a:solidFill>
-                  <a:schemeClr val="tx1"/>
-                </a:solidFill>
-                <a:latin typeface="Lucida Console" pitchFamily="49" charset="0"/>
-                <a:cs typeface="Arial" charset="0"/>
-              </a:defRPr>
-            </a:lvl2pPr>
-            <a:lvl3pPr marL="1143000" indent="-228600">
-              <a:defRPr sz="1600">
-                <a:solidFill>
-                  <a:schemeClr val="tx1"/>
-                </a:solidFill>
-                <a:latin typeface="Lucida Console" pitchFamily="49" charset="0"/>
-                <a:cs typeface="Arial" charset="0"/>
-              </a:defRPr>
-            </a:lvl3pPr>
-            <a:lvl4pPr marL="1600200" indent="-228600">
-              <a:defRPr sz="1600">
-                <a:solidFill>
-                  <a:schemeClr val="tx1"/>
-                </a:solidFill>
-                <a:latin typeface="Lucida Console" pitchFamily="49" charset="0"/>
-                <a:cs typeface="Arial" charset="0"/>
-              </a:defRPr>
-            </a:lvl4pPr>
-            <a:lvl5pPr marL="2057400" indent="-228600">
-              <a:defRPr sz="1600">
-                <a:solidFill>
-                  <a:schemeClr val="tx1"/>
-                </a:solidFill>
-                <a:latin typeface="Lucida Console" pitchFamily="49" charset="0"/>
-                <a:cs typeface="Arial" charset="0"/>
-              </a:defRPr>
-            </a:lvl5pPr>
-            <a:lvl6pPr marL="2514600" indent="-228600" eaLnBrk="0" fontAlgn="base" hangingPunct="0">
-              <a:spcBef>
-                <a:spcPct val="0"/>
-              </a:spcBef>
-              <a:spcAft>
-                <a:spcPct val="0"/>
-              </a:spcAft>
-              <a:defRPr sz="1600">
-                <a:solidFill>
-                  <a:schemeClr val="tx1"/>
-                </a:solidFill>
-                <a:latin typeface="Lucida Console" pitchFamily="49" charset="0"/>
-                <a:cs typeface="Arial" charset="0"/>
-              </a:defRPr>
-            </a:lvl6pPr>
-            <a:lvl7pPr marL="2971800" indent="-228600" eaLnBrk="0" fontAlgn="base" hangingPunct="0">
-              <a:spcBef>
-                <a:spcPct val="0"/>
-              </a:spcBef>
-              <a:spcAft>
-                <a:spcPct val="0"/>
-              </a:spcAft>
-              <a:defRPr sz="1600">
-                <a:solidFill>
-                  <a:schemeClr val="tx1"/>
-                </a:solidFill>
-                <a:latin typeface="Lucida Console" pitchFamily="49" charset="0"/>
-                <a:cs typeface="Arial" charset="0"/>
-              </a:defRPr>
-            </a:lvl7pPr>
-            <a:lvl8pPr marL="3429000" indent="-228600" eaLnBrk="0" fontAlgn="base" hangingPunct="0">
-              <a:spcBef>
-                <a:spcPct val="0"/>
-              </a:spcBef>
-              <a:spcAft>
-                <a:spcPct val="0"/>
-              </a:spcAft>
-              <a:defRPr sz="1600">
-                <a:solidFill>
-                  <a:schemeClr val="tx1"/>
-                </a:solidFill>
-                <a:latin typeface="Lucida Console" pitchFamily="49" charset="0"/>
-                <a:cs typeface="Arial" charset="0"/>
-              </a:defRPr>
-            </a:lvl8pPr>
-            <a:lvl9pPr marL="3886200" indent="-228600" eaLnBrk="0" fontAlgn="base" hangingPunct="0">
-              <a:spcBef>
-                <a:spcPct val="0"/>
-              </a:spcBef>
-              <a:spcAft>
-                <a:spcPct val="0"/>
-              </a:spcAft>
-              <a:defRPr sz="1600">
-                <a:solidFill>
-                  <a:schemeClr val="tx1"/>
-                </a:solidFill>
-                <a:latin typeface="Lucida Console" pitchFamily="49" charset="0"/>
-                <a:cs typeface="Arial" charset="0"/>
-              </a:defRPr>
-            </a:lvl9pPr>
-          </a:lstStyle>
-          <a:p>
-            <a:pPr defTabSz="1219170"/>
-            <a:r>
-              <a:rPr lang="en-US" sz="2667" dirty="0">
-                <a:solidFill>
-                  <a:prstClr val="white"/>
-                </a:solidFill>
-                <a:latin typeface="Arial" charset="0"/>
-              </a:rPr>
-              <a:t>Level: Intermediate, etc.</a:t>
-            </a:r>
-          </a:p>
-          <a:p>
-            <a:pPr defTabSz="1219170"/>
-            <a:endParaRPr lang="en-US" sz="2133" b="1" dirty="0">
-              <a:solidFill>
-                <a:prstClr val="white"/>
-              </a:solidFill>
-              <a:latin typeface="Arial" charset="0"/>
-            </a:endParaRPr>
-          </a:p>
-        </p:txBody>
-      </p:sp>
-      <p:pic>
-        <p:nvPicPr>
-          <p:cNvPr id="2" name="Picture 1"/>
-          <p:cNvPicPr>
-            <a:picLocks noChangeAspect="1"/>
-          </p:cNvPicPr>
-          <p:nvPr/>
-        </p:nvPicPr>
-        <p:blipFill>
-          <a:blip r:embed="rId3">
-            <a:extLst>
-              <a:ext uri="{28A0092B-C50C-407E-A947-70E740481C1C}">
-                <a14:useLocalDpi xmlns:a14="http://schemas.microsoft.com/office/drawing/2010/main" val="0"/>
-              </a:ext>
-            </a:extLst>
-          </a:blip>
-          <a:stretch>
-            <a:fillRect/>
-          </a:stretch>
-        </p:blipFill>
-        <p:spPr>
-          <a:xfrm>
-            <a:off x="0" y="-17379"/>
-            <a:ext cx="12192000" cy="4665579"/>
-          </a:xfrm>
-          <a:prstGeom prst="rect">
-            <a:avLst/>
-          </a:prstGeom>
-        </p:spPr>
-      </p:pic>
-    </p:spTree>
-    <p:extLst>
-      <p:ext uri="{BB962C8B-B14F-4D97-AF65-F5344CB8AC3E}">
-        <p14:creationId xmlns:p14="http://schemas.microsoft.com/office/powerpoint/2010/main" val="608793596"/>
-      </p:ext>
-    </p:extLst>
-  </p:cSld>
-  <p:clrMapOvr>
-    <a:masterClrMapping/>
-  </p:clrMapOvr>
-  <p:transition spd="slow"/>
-</p:sld>
-</file>
-
-<file path=ppt/slides/slide2.xml><?xml version="1.0" encoding="utf-8"?>
-<p:sld xmlns:a="http://schemas.openxmlformats.org/drawingml/2006/main" xmlns:r="http://schemas.openxmlformats.org/officeDocument/2006/relationships" xmlns:p="http://schemas.openxmlformats.org/presentationml/2006/main">
-  <p:cSld>
-    <p:spTree>
-      <p:nvGrpSpPr>
-        <p:cNvPr id="1" name=""/>
-        <p:cNvGrpSpPr/>
-        <p:nvPr/>
-      </p:nvGrpSpPr>
-      <p:grpSpPr>
-        <a:xfrm>
-          <a:off x="0" y="0"/>
-          <a:ext cx="0" cy="0"/>
-          <a:chOff x="0" y="0"/>
-          <a:chExt cx="0" cy="0"/>
-        </a:xfrm>
-      </p:grpSpPr>
       <p:pic>
         <p:nvPicPr>
           <p:cNvPr id="5" name="Picture 4">
@@ -11704,16 +11134,13 @@
                 <a:effectLst/>
                 <a:latin typeface="Roboto" panose="02000000000000000000" pitchFamily="2" charset="0"/>
               </a:rPr>
-              <a:t>Web APIs with ASP.NET 5</a:t>
+              <a:t>Web APIs with ASP.NET 6</a:t>
             </a:r>
             <a:endParaRPr lang="en-US" dirty="0">
               <a:solidFill>
                 <a:schemeClr val="tx1"/>
               </a:solidFill>
             </a:endParaRPr>
-          </a:p>
-          <a:p>
-            <a:endParaRPr lang="en-US" dirty="0"/>
           </a:p>
         </p:txBody>
       </p:sp>
@@ -11730,7 +11157,7 @@
 </p:sld>
 </file>
 
-<file path=ppt/slides/slide3.xml><?xml version="1.0" encoding="utf-8"?>
+<file path=ppt/slides/slide2.xml><?xml version="1.0" encoding="utf-8"?>
 <p:sld xmlns:a="http://schemas.openxmlformats.org/drawingml/2006/main" xmlns:r="http://schemas.openxmlformats.org/officeDocument/2006/relationships" xmlns:p="http://schemas.openxmlformats.org/presentationml/2006/main">
   <p:cSld>
     <p:bg>
@@ -12054,7 +11481,7 @@
 </p:sld>
 </file>
 
-<file path=ppt/slides/slide4.xml><?xml version="1.0" encoding="utf-8"?>
+<file path=ppt/slides/slide3.xml><?xml version="1.0" encoding="utf-8"?>
 <p:sld xmlns:a="http://schemas.openxmlformats.org/drawingml/2006/main" xmlns:r="http://schemas.openxmlformats.org/officeDocument/2006/relationships" xmlns:p="http://schemas.openxmlformats.org/presentationml/2006/main">
   <p:cSld>
     <p:spTree>
